--- a/outreachActivity.pptx
+++ b/outreachActivity.pptx
@@ -18,6 +18,7 @@
     <p:sldId id="268" r:id="rId12"/>
     <p:sldId id="269" r:id="rId13"/>
     <p:sldId id="270" r:id="rId14"/>
+    <p:sldId id="271" r:id="rId15"/>
   </p:sldIdLst>
   <p:sldSz cx="12192000" cy="6858000"/>
   <p:notesSz cx="6858000" cy="9144000"/>
@@ -116,6 +117,11 @@
       </a:defRPr>
     </a:lvl9pPr>
   </p:defaultTextStyle>
+  <p:extLst>
+    <p:ext uri="{EFAFB233-063F-42B5-8137-9DF3F51BA10A}">
+      <p15:sldGuideLst xmlns:p15="http://schemas.microsoft.com/office/powerpoint/2012/main"/>
+    </p:ext>
+  </p:extLst>
 </p:presentation>
 </file>
 
@@ -268,7 +274,7 @@
           <a:p>
             <a:fld id="{469EFD44-2D83-8C47-859C-45A7BF708EA9}" type="datetimeFigureOut">
               <a:rPr lang="en-US" smtClean="0"/>
-              <a:t>7/23/24</a:t>
+              <a:t>7/24/24</a:t>
             </a:fld>
             <a:endParaRPr lang="en-US"/>
           </a:p>
@@ -468,7 +474,7 @@
           <a:p>
             <a:fld id="{469EFD44-2D83-8C47-859C-45A7BF708EA9}" type="datetimeFigureOut">
               <a:rPr lang="en-US" smtClean="0"/>
-              <a:t>7/23/24</a:t>
+              <a:t>7/24/24</a:t>
             </a:fld>
             <a:endParaRPr lang="en-US"/>
           </a:p>
@@ -678,7 +684,7 @@
           <a:p>
             <a:fld id="{469EFD44-2D83-8C47-859C-45A7BF708EA9}" type="datetimeFigureOut">
               <a:rPr lang="en-US" smtClean="0"/>
-              <a:t>7/23/24</a:t>
+              <a:t>7/24/24</a:t>
             </a:fld>
             <a:endParaRPr lang="en-US"/>
           </a:p>
@@ -878,7 +884,7 @@
           <a:p>
             <a:fld id="{469EFD44-2D83-8C47-859C-45A7BF708EA9}" type="datetimeFigureOut">
               <a:rPr lang="en-US" smtClean="0"/>
-              <a:t>7/23/24</a:t>
+              <a:t>7/24/24</a:t>
             </a:fld>
             <a:endParaRPr lang="en-US"/>
           </a:p>
@@ -1154,7 +1160,7 @@
           <a:p>
             <a:fld id="{469EFD44-2D83-8C47-859C-45A7BF708EA9}" type="datetimeFigureOut">
               <a:rPr lang="en-US" smtClean="0"/>
-              <a:t>7/23/24</a:t>
+              <a:t>7/24/24</a:t>
             </a:fld>
             <a:endParaRPr lang="en-US"/>
           </a:p>
@@ -1422,7 +1428,7 @@
           <a:p>
             <a:fld id="{469EFD44-2D83-8C47-859C-45A7BF708EA9}" type="datetimeFigureOut">
               <a:rPr lang="en-US" smtClean="0"/>
-              <a:t>7/23/24</a:t>
+              <a:t>7/24/24</a:t>
             </a:fld>
             <a:endParaRPr lang="en-US"/>
           </a:p>
@@ -1837,7 +1843,7 @@
           <a:p>
             <a:fld id="{469EFD44-2D83-8C47-859C-45A7BF708EA9}" type="datetimeFigureOut">
               <a:rPr lang="en-US" smtClean="0"/>
-              <a:t>7/23/24</a:t>
+              <a:t>7/24/24</a:t>
             </a:fld>
             <a:endParaRPr lang="en-US"/>
           </a:p>
@@ -1979,7 +1985,7 @@
           <a:p>
             <a:fld id="{469EFD44-2D83-8C47-859C-45A7BF708EA9}" type="datetimeFigureOut">
               <a:rPr lang="en-US" smtClean="0"/>
-              <a:t>7/23/24</a:t>
+              <a:t>7/24/24</a:t>
             </a:fld>
             <a:endParaRPr lang="en-US"/>
           </a:p>
@@ -2092,7 +2098,7 @@
           <a:p>
             <a:fld id="{469EFD44-2D83-8C47-859C-45A7BF708EA9}" type="datetimeFigureOut">
               <a:rPr lang="en-US" smtClean="0"/>
-              <a:t>7/23/24</a:t>
+              <a:t>7/24/24</a:t>
             </a:fld>
             <a:endParaRPr lang="en-US"/>
           </a:p>
@@ -2405,7 +2411,7 @@
           <a:p>
             <a:fld id="{469EFD44-2D83-8C47-859C-45A7BF708EA9}" type="datetimeFigureOut">
               <a:rPr lang="en-US" smtClean="0"/>
-              <a:t>7/23/24</a:t>
+              <a:t>7/24/24</a:t>
             </a:fld>
             <a:endParaRPr lang="en-US"/>
           </a:p>
@@ -2694,7 +2700,7 @@
           <a:p>
             <a:fld id="{469EFD44-2D83-8C47-859C-45A7BF708EA9}" type="datetimeFigureOut">
               <a:rPr lang="en-US" smtClean="0"/>
-              <a:t>7/23/24</a:t>
+              <a:t>7/24/24</a:t>
             </a:fld>
             <a:endParaRPr lang="en-US"/>
           </a:p>
@@ -2937,7 +2943,7 @@
           <a:p>
             <a:fld id="{469EFD44-2D83-8C47-859C-45A7BF708EA9}" type="datetimeFigureOut">
               <a:rPr lang="en-US" smtClean="0"/>
-              <a:t>7/23/24</a:t>
+              <a:t>7/24/24</a:t>
             </a:fld>
             <a:endParaRPr lang="en-US"/>
           </a:p>
@@ -3823,6 +3829,93 @@
 </p:sld>
 </file>
 
+<file path=ppt/slides/slide14.xml><?xml version="1.0" encoding="utf-8"?>
+<p:sld xmlns:a="http://schemas.openxmlformats.org/drawingml/2006/main" xmlns:r="http://schemas.openxmlformats.org/officeDocument/2006/relationships" xmlns:p="http://schemas.openxmlformats.org/presentationml/2006/main">
+  <p:cSld>
+    <p:spTree>
+      <p:nvGrpSpPr>
+        <p:cNvPr id="1" name=""/>
+        <p:cNvGrpSpPr/>
+        <p:nvPr/>
+      </p:nvGrpSpPr>
+      <p:grpSpPr>
+        <a:xfrm>
+          <a:off x="0" y="0"/>
+          <a:ext cx="0" cy="0"/>
+          <a:chOff x="0" y="0"/>
+          <a:chExt cx="0" cy="0"/>
+        </a:xfrm>
+      </p:grpSpPr>
+      <p:sp>
+        <p:nvSpPr>
+          <p:cNvPr id="2" name="Title 1">
+            <a:extLst>
+              <a:ext uri="{FF2B5EF4-FFF2-40B4-BE49-F238E27FC236}">
+                <a16:creationId xmlns:a16="http://schemas.microsoft.com/office/drawing/2014/main" id="{B63BED17-AE5E-45BB-FD4D-5FACD40E6CCD}"/>
+              </a:ext>
+            </a:extLst>
+          </p:cNvPr>
+          <p:cNvSpPr>
+            <a:spLocks noGrp="1"/>
+          </p:cNvSpPr>
+          <p:nvPr>
+            <p:ph type="title"/>
+          </p:nvPr>
+        </p:nvSpPr>
+        <p:spPr/>
+        <p:txBody>
+          <a:bodyPr/>
+          <a:lstStyle/>
+          <a:p>
+            <a:r>
+              <a:rPr lang="en-US" dirty="0"/>
+              <a:t>Thank you! Any feedback?</a:t>
+            </a:r>
+          </a:p>
+        </p:txBody>
+      </p:sp>
+      <p:pic>
+        <p:nvPicPr>
+          <p:cNvPr id="5" name="Content Placeholder 4" descr="A qr code with a black background&#10;&#10;Description automatically generated">
+            <a:extLst>
+              <a:ext uri="{FF2B5EF4-FFF2-40B4-BE49-F238E27FC236}">
+                <a16:creationId xmlns:a16="http://schemas.microsoft.com/office/drawing/2014/main" id="{E8CB9D1A-A3DC-AC18-970B-5FD3A84C01C3}"/>
+              </a:ext>
+            </a:extLst>
+          </p:cNvPr>
+          <p:cNvPicPr>
+            <a:picLocks noGrp="1" noChangeAspect="1"/>
+          </p:cNvPicPr>
+          <p:nvPr>
+            <p:ph idx="1"/>
+          </p:nvPr>
+        </p:nvPicPr>
+        <p:blipFill>
+          <a:blip r:embed="rId2"/>
+          <a:stretch>
+            <a:fillRect/>
+          </a:stretch>
+        </p:blipFill>
+        <p:spPr>
+          <a:xfrm>
+            <a:off x="4508500" y="2413794"/>
+            <a:ext cx="3175000" cy="3175000"/>
+          </a:xfrm>
+        </p:spPr>
+      </p:pic>
+    </p:spTree>
+    <p:extLst>
+      <p:ext uri="{BB962C8B-B14F-4D97-AF65-F5344CB8AC3E}">
+        <p14:creationId xmlns:p14="http://schemas.microsoft.com/office/powerpoint/2010/main" val="1433602764"/>
+      </p:ext>
+    </p:extLst>
+  </p:cSld>
+  <p:clrMapOvr>
+    <a:masterClrMapping/>
+  </p:clrMapOvr>
+</p:sld>
+</file>
+
 <file path=ppt/slides/slide2.xml><?xml version="1.0" encoding="utf-8"?>
 <p:sld xmlns:a="http://schemas.openxmlformats.org/drawingml/2006/main" xmlns:r="http://schemas.openxmlformats.org/officeDocument/2006/relationships" xmlns:p="http://schemas.openxmlformats.org/presentationml/2006/main">
   <p:cSld>
